--- a/doc/model-flow-chart.pptx
+++ b/doc/model-flow-chart.pptx
@@ -197,7 +197,7 @@
           <a:p>
             <a:fld id="{470FF0B4-BFAF-F740-9FB9-9FC391BD2401}" type="datetimeFigureOut">
               <a:rPr lang="en-CH" smtClean="0"/>
-              <a:t>07.03.2024</a:t>
+              <a:t>18.04.2024</a:t>
             </a:fld>
             <a:endParaRPr lang="en-CH"/>
           </a:p>
@@ -680,7 +680,7 @@
           <a:p>
             <a:fld id="{A3227F2F-2C21-704F-954A-51416393FD25}" type="datetimeFigureOut">
               <a:rPr lang="en-CH" smtClean="0"/>
-              <a:t>07.03.2024</a:t>
+              <a:t>18.04.2024</a:t>
             </a:fld>
             <a:endParaRPr lang="en-CH"/>
           </a:p>
@@ -850,7 +850,7 @@
           <a:p>
             <a:fld id="{A3227F2F-2C21-704F-954A-51416393FD25}" type="datetimeFigureOut">
               <a:rPr lang="en-CH" smtClean="0"/>
-              <a:t>07.03.2024</a:t>
+              <a:t>18.04.2024</a:t>
             </a:fld>
             <a:endParaRPr lang="en-CH"/>
           </a:p>
@@ -1030,7 +1030,7 @@
           <a:p>
             <a:fld id="{A3227F2F-2C21-704F-954A-51416393FD25}" type="datetimeFigureOut">
               <a:rPr lang="en-CH" smtClean="0"/>
-              <a:t>07.03.2024</a:t>
+              <a:t>18.04.2024</a:t>
             </a:fld>
             <a:endParaRPr lang="en-CH"/>
           </a:p>
@@ -1200,7 +1200,7 @@
           <a:p>
             <a:fld id="{A3227F2F-2C21-704F-954A-51416393FD25}" type="datetimeFigureOut">
               <a:rPr lang="en-CH" smtClean="0"/>
-              <a:t>07.03.2024</a:t>
+              <a:t>18.04.2024</a:t>
             </a:fld>
             <a:endParaRPr lang="en-CH"/>
           </a:p>
@@ -1446,7 +1446,7 @@
           <a:p>
             <a:fld id="{A3227F2F-2C21-704F-954A-51416393FD25}" type="datetimeFigureOut">
               <a:rPr lang="en-CH" smtClean="0"/>
-              <a:t>07.03.2024</a:t>
+              <a:t>18.04.2024</a:t>
             </a:fld>
             <a:endParaRPr lang="en-CH"/>
           </a:p>
@@ -1678,7 +1678,7 @@
           <a:p>
             <a:fld id="{A3227F2F-2C21-704F-954A-51416393FD25}" type="datetimeFigureOut">
               <a:rPr lang="en-CH" smtClean="0"/>
-              <a:t>07.03.2024</a:t>
+              <a:t>18.04.2024</a:t>
             </a:fld>
             <a:endParaRPr lang="en-CH"/>
           </a:p>
@@ -2045,7 +2045,7 @@
           <a:p>
             <a:fld id="{A3227F2F-2C21-704F-954A-51416393FD25}" type="datetimeFigureOut">
               <a:rPr lang="en-CH" smtClean="0"/>
-              <a:t>07.03.2024</a:t>
+              <a:t>18.04.2024</a:t>
             </a:fld>
             <a:endParaRPr lang="en-CH"/>
           </a:p>
@@ -2163,7 +2163,7 @@
           <a:p>
             <a:fld id="{A3227F2F-2C21-704F-954A-51416393FD25}" type="datetimeFigureOut">
               <a:rPr lang="en-CH" smtClean="0"/>
-              <a:t>07.03.2024</a:t>
+              <a:t>18.04.2024</a:t>
             </a:fld>
             <a:endParaRPr lang="en-CH"/>
           </a:p>
@@ -2258,7 +2258,7 @@
           <a:p>
             <a:fld id="{A3227F2F-2C21-704F-954A-51416393FD25}" type="datetimeFigureOut">
               <a:rPr lang="en-CH" smtClean="0"/>
-              <a:t>07.03.2024</a:t>
+              <a:t>18.04.2024</a:t>
             </a:fld>
             <a:endParaRPr lang="en-CH"/>
           </a:p>
@@ -2535,7 +2535,7 @@
           <a:p>
             <a:fld id="{A3227F2F-2C21-704F-954A-51416393FD25}" type="datetimeFigureOut">
               <a:rPr lang="en-CH" smtClean="0"/>
-              <a:t>07.03.2024</a:t>
+              <a:t>18.04.2024</a:t>
             </a:fld>
             <a:endParaRPr lang="en-CH"/>
           </a:p>
@@ -2792,7 +2792,7 @@
           <a:p>
             <a:fld id="{A3227F2F-2C21-704F-954A-51416393FD25}" type="datetimeFigureOut">
               <a:rPr lang="en-CH" smtClean="0"/>
-              <a:t>07.03.2024</a:t>
+              <a:t>18.04.2024</a:t>
             </a:fld>
             <a:endParaRPr lang="en-CH"/>
           </a:p>
@@ -3005,7 +3005,7 @@
           <a:p>
             <a:fld id="{A3227F2F-2C21-704F-954A-51416393FD25}" type="datetimeFigureOut">
               <a:rPr lang="en-CH" smtClean="0"/>
-              <a:t>07.03.2024</a:t>
+              <a:t>18.04.2024</a:t>
             </a:fld>
             <a:endParaRPr lang="en-CH"/>
           </a:p>
@@ -3684,8 +3684,8 @@
         </p:nvSpPr>
         <p:spPr>
           <a:xfrm>
-            <a:off x="1066800" y="0"/>
-            <a:ext cx="704850" cy="276999"/>
+            <a:off x="0" y="0"/>
+            <a:ext cx="2879725" cy="276999"/>
           </a:xfrm>
           <a:prstGeom prst="rect">
             <a:avLst/>
@@ -3698,9 +3698,10 @@
           </a:bodyPr>
           <a:lstStyle/>
           <a:p>
+            <a:pPr algn="ctr"/>
             <a:r>
               <a:rPr lang="en-CH" sz="1200" b="1" dirty="0"/>
-              <a:t>Data</a:t>
+              <a:t>Collected data</a:t>
             </a:r>
           </a:p>
         </p:txBody>

--- a/doc/model-flow-chart.pptx
+++ b/doc/model-flow-chart.pptx
@@ -197,7 +197,7 @@
           <a:p>
             <a:fld id="{470FF0B4-BFAF-F740-9FB9-9FC391BD2401}" type="datetimeFigureOut">
               <a:rPr lang="en-CH" smtClean="0"/>
-              <a:t>18.04.2024</a:t>
+              <a:t>22.11.2024</a:t>
             </a:fld>
             <a:endParaRPr lang="en-CH"/>
           </a:p>
@@ -680,7 +680,7 @@
           <a:p>
             <a:fld id="{A3227F2F-2C21-704F-954A-51416393FD25}" type="datetimeFigureOut">
               <a:rPr lang="en-CH" smtClean="0"/>
-              <a:t>18.04.2024</a:t>
+              <a:t>22.11.2024</a:t>
             </a:fld>
             <a:endParaRPr lang="en-CH"/>
           </a:p>
@@ -850,7 +850,7 @@
           <a:p>
             <a:fld id="{A3227F2F-2C21-704F-954A-51416393FD25}" type="datetimeFigureOut">
               <a:rPr lang="en-CH" smtClean="0"/>
-              <a:t>18.04.2024</a:t>
+              <a:t>22.11.2024</a:t>
             </a:fld>
             <a:endParaRPr lang="en-CH"/>
           </a:p>
@@ -1030,7 +1030,7 @@
           <a:p>
             <a:fld id="{A3227F2F-2C21-704F-954A-51416393FD25}" type="datetimeFigureOut">
               <a:rPr lang="en-CH" smtClean="0"/>
-              <a:t>18.04.2024</a:t>
+              <a:t>22.11.2024</a:t>
             </a:fld>
             <a:endParaRPr lang="en-CH"/>
           </a:p>
@@ -1200,7 +1200,7 @@
           <a:p>
             <a:fld id="{A3227F2F-2C21-704F-954A-51416393FD25}" type="datetimeFigureOut">
               <a:rPr lang="en-CH" smtClean="0"/>
-              <a:t>18.04.2024</a:t>
+              <a:t>22.11.2024</a:t>
             </a:fld>
             <a:endParaRPr lang="en-CH"/>
           </a:p>
@@ -1446,7 +1446,7 @@
           <a:p>
             <a:fld id="{A3227F2F-2C21-704F-954A-51416393FD25}" type="datetimeFigureOut">
               <a:rPr lang="en-CH" smtClean="0"/>
-              <a:t>18.04.2024</a:t>
+              <a:t>22.11.2024</a:t>
             </a:fld>
             <a:endParaRPr lang="en-CH"/>
           </a:p>
@@ -1678,7 +1678,7 @@
           <a:p>
             <a:fld id="{A3227F2F-2C21-704F-954A-51416393FD25}" type="datetimeFigureOut">
               <a:rPr lang="en-CH" smtClean="0"/>
-              <a:t>18.04.2024</a:t>
+              <a:t>22.11.2024</a:t>
             </a:fld>
             <a:endParaRPr lang="en-CH"/>
           </a:p>
@@ -2045,7 +2045,7 @@
           <a:p>
             <a:fld id="{A3227F2F-2C21-704F-954A-51416393FD25}" type="datetimeFigureOut">
               <a:rPr lang="en-CH" smtClean="0"/>
-              <a:t>18.04.2024</a:t>
+              <a:t>22.11.2024</a:t>
             </a:fld>
             <a:endParaRPr lang="en-CH"/>
           </a:p>
@@ -2163,7 +2163,7 @@
           <a:p>
             <a:fld id="{A3227F2F-2C21-704F-954A-51416393FD25}" type="datetimeFigureOut">
               <a:rPr lang="en-CH" smtClean="0"/>
-              <a:t>18.04.2024</a:t>
+              <a:t>22.11.2024</a:t>
             </a:fld>
             <a:endParaRPr lang="en-CH"/>
           </a:p>
@@ -2258,7 +2258,7 @@
           <a:p>
             <a:fld id="{A3227F2F-2C21-704F-954A-51416393FD25}" type="datetimeFigureOut">
               <a:rPr lang="en-CH" smtClean="0"/>
-              <a:t>18.04.2024</a:t>
+              <a:t>22.11.2024</a:t>
             </a:fld>
             <a:endParaRPr lang="en-CH"/>
           </a:p>
@@ -2535,7 +2535,7 @@
           <a:p>
             <a:fld id="{A3227F2F-2C21-704F-954A-51416393FD25}" type="datetimeFigureOut">
               <a:rPr lang="en-CH" smtClean="0"/>
-              <a:t>18.04.2024</a:t>
+              <a:t>22.11.2024</a:t>
             </a:fld>
             <a:endParaRPr lang="en-CH"/>
           </a:p>
@@ -2792,7 +2792,7 @@
           <a:p>
             <a:fld id="{A3227F2F-2C21-704F-954A-51416393FD25}" type="datetimeFigureOut">
               <a:rPr lang="en-CH" smtClean="0"/>
-              <a:t>18.04.2024</a:t>
+              <a:t>22.11.2024</a:t>
             </a:fld>
             <a:endParaRPr lang="en-CH"/>
           </a:p>
@@ -3005,7 +3005,7 @@
           <a:p>
             <a:fld id="{A3227F2F-2C21-704F-954A-51416393FD25}" type="datetimeFigureOut">
               <a:rPr lang="en-CH" smtClean="0"/>
-              <a:t>18.04.2024</a:t>
+              <a:t>22.11.2024</a:t>
             </a:fld>
             <a:endParaRPr lang="en-CH"/>
           </a:p>
@@ -4128,8 +4128,8 @@
         </p:nvSpPr>
         <p:spPr>
           <a:xfrm>
-            <a:off x="3190872" y="2504925"/>
-            <a:ext cx="1060449" cy="872521"/>
+            <a:off x="3190872" y="2503601"/>
+            <a:ext cx="1060449" cy="1073036"/>
           </a:xfrm>
           <a:prstGeom prst="roundRect">
             <a:avLst/>
@@ -4185,7 +4185,17 @@
             </a:pPr>
             <a:r>
               <a:rPr lang="en-CH" sz="800" dirty="0"/>
-              <a:t>Bacterial inact-ivation</a:t>
+              <a:t>Bacterial inactivation </a:t>
+            </a:r>
+          </a:p>
+          <a:p>
+            <a:pPr marL="171450" indent="-171450">
+              <a:buFont typeface="Arial" panose="020B0604020202020204" pitchFamily="34" charset="0"/>
+              <a:buChar char="•"/>
+            </a:pPr>
+            <a:r>
+              <a:rPr lang="en-CH" sz="800" dirty="0"/>
+              <a:t>Gravitational settling</a:t>
             </a:r>
             <a:endParaRPr lang="en-CH" sz="1000" dirty="0"/>
           </a:p>
@@ -4495,6 +4505,7 @@
             </a:extLst>
           </p:cNvPr>
           <p:cNvCxnSpPr>
+            <a:cxnSpLocks/>
             <a:stCxn id="10" idx="3"/>
             <a:endCxn id="14" idx="1"/>
           </p:cNvCxnSpPr>
@@ -4503,7 +4514,7 @@
         <p:spPr>
           <a:xfrm>
             <a:off x="2660648" y="2504926"/>
-            <a:ext cx="530224" cy="436260"/>
+            <a:ext cx="530224" cy="535193"/>
           </a:xfrm>
           <a:prstGeom prst="straightConnector1">
             <a:avLst/>
@@ -4640,7 +4651,7 @@
         <p:spPr>
           <a:xfrm flipV="1">
             <a:off x="4251321" y="1920742"/>
-            <a:ext cx="415931" cy="1020444"/>
+            <a:ext cx="415931" cy="1119377"/>
           </a:xfrm>
           <a:prstGeom prst="bentConnector3">
             <a:avLst/>

--- a/doc/model-flow-chart.pptx
+++ b/doc/model-flow-chart.pptx
@@ -197,7 +197,7 @@
           <a:p>
             <a:fld id="{470FF0B4-BFAF-F740-9FB9-9FC391BD2401}" type="datetimeFigureOut">
               <a:rPr lang="en-CH" smtClean="0"/>
-              <a:t>22.11.2024</a:t>
+              <a:t>09.12.2024</a:t>
             </a:fld>
             <a:endParaRPr lang="en-CH"/>
           </a:p>
@@ -680,7 +680,7 @@
           <a:p>
             <a:fld id="{A3227F2F-2C21-704F-954A-51416393FD25}" type="datetimeFigureOut">
               <a:rPr lang="en-CH" smtClean="0"/>
-              <a:t>22.11.2024</a:t>
+              <a:t>09.12.2024</a:t>
             </a:fld>
             <a:endParaRPr lang="en-CH"/>
           </a:p>
@@ -850,7 +850,7 @@
           <a:p>
             <a:fld id="{A3227F2F-2C21-704F-954A-51416393FD25}" type="datetimeFigureOut">
               <a:rPr lang="en-CH" smtClean="0"/>
-              <a:t>22.11.2024</a:t>
+              <a:t>09.12.2024</a:t>
             </a:fld>
             <a:endParaRPr lang="en-CH"/>
           </a:p>
@@ -1030,7 +1030,7 @@
           <a:p>
             <a:fld id="{A3227F2F-2C21-704F-954A-51416393FD25}" type="datetimeFigureOut">
               <a:rPr lang="en-CH" smtClean="0"/>
-              <a:t>22.11.2024</a:t>
+              <a:t>09.12.2024</a:t>
             </a:fld>
             <a:endParaRPr lang="en-CH"/>
           </a:p>
@@ -1200,7 +1200,7 @@
           <a:p>
             <a:fld id="{A3227F2F-2C21-704F-954A-51416393FD25}" type="datetimeFigureOut">
               <a:rPr lang="en-CH" smtClean="0"/>
-              <a:t>22.11.2024</a:t>
+              <a:t>09.12.2024</a:t>
             </a:fld>
             <a:endParaRPr lang="en-CH"/>
           </a:p>
@@ -1446,7 +1446,7 @@
           <a:p>
             <a:fld id="{A3227F2F-2C21-704F-954A-51416393FD25}" type="datetimeFigureOut">
               <a:rPr lang="en-CH" smtClean="0"/>
-              <a:t>22.11.2024</a:t>
+              <a:t>09.12.2024</a:t>
             </a:fld>
             <a:endParaRPr lang="en-CH"/>
           </a:p>
@@ -1678,7 +1678,7 @@
           <a:p>
             <a:fld id="{A3227F2F-2C21-704F-954A-51416393FD25}" type="datetimeFigureOut">
               <a:rPr lang="en-CH" smtClean="0"/>
-              <a:t>22.11.2024</a:t>
+              <a:t>09.12.2024</a:t>
             </a:fld>
             <a:endParaRPr lang="en-CH"/>
           </a:p>
@@ -2045,7 +2045,7 @@
           <a:p>
             <a:fld id="{A3227F2F-2C21-704F-954A-51416393FD25}" type="datetimeFigureOut">
               <a:rPr lang="en-CH" smtClean="0"/>
-              <a:t>22.11.2024</a:t>
+              <a:t>09.12.2024</a:t>
             </a:fld>
             <a:endParaRPr lang="en-CH"/>
           </a:p>
@@ -2163,7 +2163,7 @@
           <a:p>
             <a:fld id="{A3227F2F-2C21-704F-954A-51416393FD25}" type="datetimeFigureOut">
               <a:rPr lang="en-CH" smtClean="0"/>
-              <a:t>22.11.2024</a:t>
+              <a:t>09.12.2024</a:t>
             </a:fld>
             <a:endParaRPr lang="en-CH"/>
           </a:p>
@@ -2258,7 +2258,7 @@
           <a:p>
             <a:fld id="{A3227F2F-2C21-704F-954A-51416393FD25}" type="datetimeFigureOut">
               <a:rPr lang="en-CH" smtClean="0"/>
-              <a:t>22.11.2024</a:t>
+              <a:t>09.12.2024</a:t>
             </a:fld>
             <a:endParaRPr lang="en-CH"/>
           </a:p>
@@ -2535,7 +2535,7 @@
           <a:p>
             <a:fld id="{A3227F2F-2C21-704F-954A-51416393FD25}" type="datetimeFigureOut">
               <a:rPr lang="en-CH" smtClean="0"/>
-              <a:t>22.11.2024</a:t>
+              <a:t>09.12.2024</a:t>
             </a:fld>
             <a:endParaRPr lang="en-CH"/>
           </a:p>
@@ -2792,7 +2792,7 @@
           <a:p>
             <a:fld id="{A3227F2F-2C21-704F-954A-51416393FD25}" type="datetimeFigureOut">
               <a:rPr lang="en-CH" smtClean="0"/>
-              <a:t>22.11.2024</a:t>
+              <a:t>09.12.2024</a:t>
             </a:fld>
             <a:endParaRPr lang="en-CH"/>
           </a:p>
@@ -3005,7 +3005,7 @@
           <a:p>
             <a:fld id="{A3227F2F-2C21-704F-954A-51416393FD25}" type="datetimeFigureOut">
               <a:rPr lang="en-CH" smtClean="0"/>
-              <a:t>22.11.2024</a:t>
+              <a:t>09.12.2024</a:t>
             </a:fld>
             <a:endParaRPr lang="en-CH"/>
           </a:p>
@@ -5120,280 +5120,6 @@
           </a:p>
         </p:txBody>
       </p:sp>
-      <p:pic>
-        <p:nvPicPr>
-          <p:cNvPr id="123" name="Picture 122">
-            <a:extLst>
-              <a:ext uri="{FF2B5EF4-FFF2-40B4-BE49-F238E27FC236}">
-                <a16:creationId xmlns:a16="http://schemas.microsoft.com/office/drawing/2014/main" id="{72D461AE-838C-8586-7F6F-EA5B58116F1C}"/>
-              </a:ext>
-            </a:extLst>
-          </p:cNvPr>
-          <p:cNvPicPr>
-            <a:picLocks noChangeAspect="1"/>
-          </p:cNvPicPr>
-          <p:nvPr/>
-        </p:nvPicPr>
-        <p:blipFill>
-          <a:blip r:embed="rId3" cstate="print">
-            <a:duotone>
-              <a:schemeClr val="accent2">
-                <a:shade val="45000"/>
-                <a:satMod val="135000"/>
-              </a:schemeClr>
-              <a:prstClr val="white"/>
-            </a:duotone>
-            <a:extLst>
-              <a:ext uri="{28A0092B-C50C-407E-A947-70E740481C1C}">
-                <a14:useLocalDpi xmlns:a14="http://schemas.microsoft.com/office/drawing/2010/main" val="0"/>
-              </a:ext>
-            </a:extLst>
-          </a:blip>
-          <a:stretch>
-            <a:fillRect/>
-          </a:stretch>
-        </p:blipFill>
-        <p:spPr>
-          <a:xfrm>
-            <a:off x="529933" y="1593736"/>
-            <a:ext cx="200102" cy="200102"/>
-          </a:xfrm>
-          <a:prstGeom prst="rect">
-            <a:avLst/>
-          </a:prstGeom>
-        </p:spPr>
-      </p:pic>
-      <p:grpSp>
-        <p:nvGrpSpPr>
-          <p:cNvPr id="124" name="Group 123">
-            <a:extLst>
-              <a:ext uri="{FF2B5EF4-FFF2-40B4-BE49-F238E27FC236}">
-                <a16:creationId xmlns:a16="http://schemas.microsoft.com/office/drawing/2014/main" id="{2FD07CC7-720F-8452-5D32-96C1031743B5}"/>
-              </a:ext>
-            </a:extLst>
-          </p:cNvPr>
-          <p:cNvGrpSpPr>
-            <a:grpSpLocks noChangeAspect="1"/>
-          </p:cNvGrpSpPr>
-          <p:nvPr/>
-        </p:nvGrpSpPr>
-        <p:grpSpPr>
-          <a:xfrm>
-            <a:off x="524428" y="2661265"/>
-            <a:ext cx="200941" cy="162000"/>
-            <a:chOff x="1929577" y="539626"/>
-            <a:chExt cx="267950" cy="216024"/>
-          </a:xfrm>
-        </p:grpSpPr>
-        <p:sp>
-          <p:nvSpPr>
-            <p:cNvPr id="125" name="Rounded Rectangle 124">
-              <a:extLst>
-                <a:ext uri="{FF2B5EF4-FFF2-40B4-BE49-F238E27FC236}">
-                  <a16:creationId xmlns:a16="http://schemas.microsoft.com/office/drawing/2014/main" id="{202969ED-CFAE-2830-BBA6-097BA540F84E}"/>
-                </a:ext>
-              </a:extLst>
-            </p:cNvPr>
-            <p:cNvSpPr/>
-            <p:nvPr/>
-          </p:nvSpPr>
-          <p:spPr>
-            <a:xfrm>
-              <a:off x="1929577" y="539626"/>
-              <a:ext cx="267950" cy="216024"/>
-            </a:xfrm>
-            <a:prstGeom prst="roundRect">
-              <a:avLst/>
-            </a:prstGeom>
-            <a:solidFill>
-              <a:srgbClr val="0070C0"/>
-            </a:solidFill>
-            <a:ln w="12700">
-              <a:noFill/>
-            </a:ln>
-          </p:spPr>
-          <p:style>
-            <a:lnRef idx="2">
-              <a:schemeClr val="accent1">
-                <a:shade val="15000"/>
-              </a:schemeClr>
-            </a:lnRef>
-            <a:fillRef idx="1">
-              <a:schemeClr val="accent1"/>
-            </a:fillRef>
-            <a:effectRef idx="0">
-              <a:schemeClr val="accent1"/>
-            </a:effectRef>
-            <a:fontRef idx="minor">
-              <a:schemeClr val="lt1"/>
-            </a:fontRef>
-          </p:style>
-          <p:txBody>
-            <a:bodyPr rtlCol="0" anchor="ctr"/>
-            <a:lstStyle/>
-            <a:p>
-              <a:pPr algn="ctr"/>
-              <a:endParaRPr lang="en-CH"/>
-            </a:p>
-          </p:txBody>
-        </p:sp>
-        <p:sp>
-          <p:nvSpPr>
-            <p:cNvPr id="126" name="Oval 125">
-              <a:extLst>
-                <a:ext uri="{FF2B5EF4-FFF2-40B4-BE49-F238E27FC236}">
-                  <a16:creationId xmlns:a16="http://schemas.microsoft.com/office/drawing/2014/main" id="{A5AAC8F9-1198-6BAA-A231-16DB01E968C4}"/>
-                </a:ext>
-              </a:extLst>
-            </p:cNvPr>
-            <p:cNvSpPr/>
-            <p:nvPr/>
-          </p:nvSpPr>
-          <p:spPr>
-            <a:xfrm>
-              <a:off x="1972783" y="593017"/>
-              <a:ext cx="36000" cy="36000"/>
-            </a:xfrm>
-            <a:prstGeom prst="ellipse">
-              <a:avLst/>
-            </a:prstGeom>
-            <a:solidFill>
-              <a:schemeClr val="bg1"/>
-            </a:solidFill>
-            <a:ln>
-              <a:noFill/>
-            </a:ln>
-          </p:spPr>
-          <p:style>
-            <a:lnRef idx="2">
-              <a:schemeClr val="accent1">
-                <a:shade val="15000"/>
-              </a:schemeClr>
-            </a:lnRef>
-            <a:fillRef idx="1">
-              <a:schemeClr val="accent1"/>
-            </a:fillRef>
-            <a:effectRef idx="0">
-              <a:schemeClr val="accent1"/>
-            </a:effectRef>
-            <a:fontRef idx="minor">
-              <a:schemeClr val="lt1"/>
-            </a:fontRef>
-          </p:style>
-          <p:txBody>
-            <a:bodyPr rtlCol="0" anchor="ctr"/>
-            <a:lstStyle/>
-            <a:p>
-              <a:pPr algn="ctr"/>
-              <a:endParaRPr lang="en-CH"/>
-            </a:p>
-          </p:txBody>
-        </p:sp>
-        <p:sp>
-          <p:nvSpPr>
-            <p:cNvPr id="127" name="Rounded Rectangle 126">
-              <a:extLst>
-                <a:ext uri="{FF2B5EF4-FFF2-40B4-BE49-F238E27FC236}">
-                  <a16:creationId xmlns:a16="http://schemas.microsoft.com/office/drawing/2014/main" id="{075B703B-4129-BB07-39B9-55D07C76B77C}"/>
-                </a:ext>
-              </a:extLst>
-            </p:cNvPr>
-            <p:cNvSpPr/>
-            <p:nvPr/>
-          </p:nvSpPr>
-          <p:spPr>
-            <a:xfrm>
-              <a:off x="1974502" y="665642"/>
-              <a:ext cx="191665" cy="36000"/>
-            </a:xfrm>
-            <a:prstGeom prst="roundRect">
-              <a:avLst/>
-            </a:prstGeom>
-            <a:solidFill>
-              <a:schemeClr val="bg1"/>
-            </a:solidFill>
-            <a:ln>
-              <a:noFill/>
-            </a:ln>
-          </p:spPr>
-          <p:style>
-            <a:lnRef idx="2">
-              <a:schemeClr val="accent1">
-                <a:shade val="15000"/>
-              </a:schemeClr>
-            </a:lnRef>
-            <a:fillRef idx="1">
-              <a:schemeClr val="accent1"/>
-            </a:fillRef>
-            <a:effectRef idx="0">
-              <a:schemeClr val="accent1"/>
-            </a:effectRef>
-            <a:fontRef idx="minor">
-              <a:schemeClr val="lt1"/>
-            </a:fontRef>
-          </p:style>
-          <p:txBody>
-            <a:bodyPr rtlCol="0" anchor="ctr"/>
-            <a:lstStyle/>
-            <a:p>
-              <a:pPr algn="ctr"/>
-              <a:endParaRPr lang="en-CH"/>
-            </a:p>
-          </p:txBody>
-        </p:sp>
-        <p:sp>
-          <p:nvSpPr>
-            <p:cNvPr id="128" name="Rounded Rectangle 127">
-              <a:extLst>
-                <a:ext uri="{FF2B5EF4-FFF2-40B4-BE49-F238E27FC236}">
-                  <a16:creationId xmlns:a16="http://schemas.microsoft.com/office/drawing/2014/main" id="{6A79CE41-83E3-93B4-80BA-CB359D6CDDCA}"/>
-                </a:ext>
-              </a:extLst>
-            </p:cNvPr>
-            <p:cNvSpPr/>
-            <p:nvPr/>
-          </p:nvSpPr>
-          <p:spPr>
-            <a:xfrm>
-              <a:off x="2058167" y="593017"/>
-              <a:ext cx="108000" cy="36000"/>
-            </a:xfrm>
-            <a:prstGeom prst="roundRect">
-              <a:avLst/>
-            </a:prstGeom>
-            <a:solidFill>
-              <a:schemeClr val="bg1"/>
-            </a:solidFill>
-            <a:ln>
-              <a:noFill/>
-            </a:ln>
-          </p:spPr>
-          <p:style>
-            <a:lnRef idx="2">
-              <a:schemeClr val="accent1">
-                <a:shade val="15000"/>
-              </a:schemeClr>
-            </a:lnRef>
-            <a:fillRef idx="1">
-              <a:schemeClr val="accent1"/>
-            </a:fillRef>
-            <a:effectRef idx="0">
-              <a:schemeClr val="accent1"/>
-            </a:effectRef>
-            <a:fontRef idx="minor">
-              <a:schemeClr val="lt1"/>
-            </a:fontRef>
-          </p:style>
-          <p:txBody>
-            <a:bodyPr rtlCol="0" anchor="ctr"/>
-            <a:lstStyle/>
-            <a:p>
-              <a:pPr algn="ctr"/>
-              <a:endParaRPr lang="en-CH"/>
-            </a:p>
-          </p:txBody>
-        </p:sp>
-      </p:grpSp>
       <p:grpSp>
         <p:nvGrpSpPr>
           <p:cNvPr id="139" name="Group 138">
@@ -5717,6 +5443,260 @@
           </a:fontRef>
         </p:style>
       </p:cxnSp>
+      <p:grpSp>
+        <p:nvGrpSpPr>
+          <p:cNvPr id="2" name="Group 1">
+            <a:extLst>
+              <a:ext uri="{FF2B5EF4-FFF2-40B4-BE49-F238E27FC236}">
+                <a16:creationId xmlns:a16="http://schemas.microsoft.com/office/drawing/2014/main" id="{88FA4406-2667-B1FA-D784-D224E1E289C8}"/>
+              </a:ext>
+            </a:extLst>
+          </p:cNvPr>
+          <p:cNvGrpSpPr>
+            <a:grpSpLocks noChangeAspect="1"/>
+          </p:cNvGrpSpPr>
+          <p:nvPr/>
+        </p:nvGrpSpPr>
+        <p:grpSpPr>
+          <a:xfrm>
+            <a:off x="524427" y="2689185"/>
+            <a:ext cx="200941" cy="162000"/>
+            <a:chOff x="1929577" y="539626"/>
+            <a:chExt cx="267950" cy="216024"/>
+          </a:xfrm>
+        </p:grpSpPr>
+        <p:sp>
+          <p:nvSpPr>
+            <p:cNvPr id="9" name="Rounded Rectangle 8">
+              <a:extLst>
+                <a:ext uri="{FF2B5EF4-FFF2-40B4-BE49-F238E27FC236}">
+                  <a16:creationId xmlns:a16="http://schemas.microsoft.com/office/drawing/2014/main" id="{67FE3CA1-AFB5-6DFC-0DCC-2C3B6532DB34}"/>
+                </a:ext>
+              </a:extLst>
+            </p:cNvPr>
+            <p:cNvSpPr/>
+            <p:nvPr/>
+          </p:nvSpPr>
+          <p:spPr>
+            <a:xfrm>
+              <a:off x="1929577" y="539626"/>
+              <a:ext cx="267950" cy="216024"/>
+            </a:xfrm>
+            <a:prstGeom prst="roundRect">
+              <a:avLst/>
+            </a:prstGeom>
+            <a:ln/>
+          </p:spPr>
+          <p:style>
+            <a:lnRef idx="2">
+              <a:schemeClr val="accent2">
+                <a:shade val="15000"/>
+              </a:schemeClr>
+            </a:lnRef>
+            <a:fillRef idx="1">
+              <a:schemeClr val="accent2"/>
+            </a:fillRef>
+            <a:effectRef idx="0">
+              <a:schemeClr val="accent2"/>
+            </a:effectRef>
+            <a:fontRef idx="minor">
+              <a:schemeClr val="lt1"/>
+            </a:fontRef>
+          </p:style>
+          <p:txBody>
+            <a:bodyPr rtlCol="0" anchor="ctr"/>
+            <a:lstStyle/>
+            <a:p>
+              <a:pPr algn="ctr"/>
+              <a:endParaRPr lang="en-CH"/>
+            </a:p>
+          </p:txBody>
+        </p:sp>
+        <p:sp>
+          <p:nvSpPr>
+            <p:cNvPr id="12" name="Oval 11">
+              <a:extLst>
+                <a:ext uri="{FF2B5EF4-FFF2-40B4-BE49-F238E27FC236}">
+                  <a16:creationId xmlns:a16="http://schemas.microsoft.com/office/drawing/2014/main" id="{B725F149-E554-79D6-F101-4EBF9FD28502}"/>
+                </a:ext>
+              </a:extLst>
+            </p:cNvPr>
+            <p:cNvSpPr/>
+            <p:nvPr/>
+          </p:nvSpPr>
+          <p:spPr>
+            <a:xfrm>
+              <a:off x="1972783" y="593017"/>
+              <a:ext cx="36000" cy="36000"/>
+            </a:xfrm>
+            <a:prstGeom prst="ellipse">
+              <a:avLst/>
+            </a:prstGeom>
+            <a:ln/>
+          </p:spPr>
+          <p:style>
+            <a:lnRef idx="2">
+              <a:schemeClr val="accent2">
+                <a:shade val="15000"/>
+              </a:schemeClr>
+            </a:lnRef>
+            <a:fillRef idx="1">
+              <a:schemeClr val="accent2"/>
+            </a:fillRef>
+            <a:effectRef idx="0">
+              <a:schemeClr val="accent2"/>
+            </a:effectRef>
+            <a:fontRef idx="minor">
+              <a:schemeClr val="lt1"/>
+            </a:fontRef>
+          </p:style>
+          <p:txBody>
+            <a:bodyPr rtlCol="0" anchor="ctr"/>
+            <a:lstStyle/>
+            <a:p>
+              <a:pPr algn="ctr"/>
+              <a:endParaRPr lang="en-CH"/>
+            </a:p>
+          </p:txBody>
+        </p:sp>
+        <p:sp>
+          <p:nvSpPr>
+            <p:cNvPr id="13" name="Rounded Rectangle 12">
+              <a:extLst>
+                <a:ext uri="{FF2B5EF4-FFF2-40B4-BE49-F238E27FC236}">
+                  <a16:creationId xmlns:a16="http://schemas.microsoft.com/office/drawing/2014/main" id="{FF53D991-9E33-B366-5679-14082E467310}"/>
+                </a:ext>
+              </a:extLst>
+            </p:cNvPr>
+            <p:cNvSpPr/>
+            <p:nvPr/>
+          </p:nvSpPr>
+          <p:spPr>
+            <a:xfrm>
+              <a:off x="1974502" y="665642"/>
+              <a:ext cx="191665" cy="36000"/>
+            </a:xfrm>
+            <a:prstGeom prst="roundRect">
+              <a:avLst/>
+            </a:prstGeom>
+            <a:ln/>
+          </p:spPr>
+          <p:style>
+            <a:lnRef idx="2">
+              <a:schemeClr val="accent2">
+                <a:shade val="15000"/>
+              </a:schemeClr>
+            </a:lnRef>
+            <a:fillRef idx="1">
+              <a:schemeClr val="accent2"/>
+            </a:fillRef>
+            <a:effectRef idx="0">
+              <a:schemeClr val="accent2"/>
+            </a:effectRef>
+            <a:fontRef idx="minor">
+              <a:schemeClr val="lt1"/>
+            </a:fontRef>
+          </p:style>
+          <p:txBody>
+            <a:bodyPr rtlCol="0" anchor="ctr"/>
+            <a:lstStyle/>
+            <a:p>
+              <a:pPr algn="ctr"/>
+              <a:endParaRPr lang="en-CH"/>
+            </a:p>
+          </p:txBody>
+        </p:sp>
+        <p:sp>
+          <p:nvSpPr>
+            <p:cNvPr id="18" name="Rounded Rectangle 17">
+              <a:extLst>
+                <a:ext uri="{FF2B5EF4-FFF2-40B4-BE49-F238E27FC236}">
+                  <a16:creationId xmlns:a16="http://schemas.microsoft.com/office/drawing/2014/main" id="{C73875A4-B355-7D26-C100-98FE3CAF6675}"/>
+                </a:ext>
+              </a:extLst>
+            </p:cNvPr>
+            <p:cNvSpPr/>
+            <p:nvPr/>
+          </p:nvSpPr>
+          <p:spPr>
+            <a:xfrm>
+              <a:off x="2058167" y="593017"/>
+              <a:ext cx="108000" cy="36000"/>
+            </a:xfrm>
+            <a:prstGeom prst="roundRect">
+              <a:avLst/>
+            </a:prstGeom>
+            <a:ln/>
+          </p:spPr>
+          <p:style>
+            <a:lnRef idx="2">
+              <a:schemeClr val="accent2">
+                <a:shade val="15000"/>
+              </a:schemeClr>
+            </a:lnRef>
+            <a:fillRef idx="1">
+              <a:schemeClr val="accent2"/>
+            </a:fillRef>
+            <a:effectRef idx="0">
+              <a:schemeClr val="accent2"/>
+            </a:effectRef>
+            <a:fontRef idx="minor">
+              <a:schemeClr val="lt1"/>
+            </a:fontRef>
+          </p:style>
+          <p:txBody>
+            <a:bodyPr rtlCol="0" anchor="ctr"/>
+            <a:lstStyle/>
+            <a:p>
+              <a:pPr algn="ctr"/>
+              <a:endParaRPr lang="en-CH"/>
+            </a:p>
+          </p:txBody>
+        </p:sp>
+      </p:grpSp>
+      <p:pic>
+        <p:nvPicPr>
+          <p:cNvPr id="19" name="Picture 18">
+            <a:extLst>
+              <a:ext uri="{FF2B5EF4-FFF2-40B4-BE49-F238E27FC236}">
+                <a16:creationId xmlns:a16="http://schemas.microsoft.com/office/drawing/2014/main" id="{3C01FCC4-34FD-CDB8-E9F2-05665B08919B}"/>
+              </a:ext>
+            </a:extLst>
+          </p:cNvPr>
+          <p:cNvPicPr>
+            <a:picLocks noChangeAspect="1"/>
+          </p:cNvPicPr>
+          <p:nvPr/>
+        </p:nvPicPr>
+        <p:blipFill>
+          <a:blip r:embed="rId3" cstate="print">
+            <a:duotone>
+              <a:schemeClr val="accent6">
+                <a:shade val="45000"/>
+                <a:satMod val="135000"/>
+              </a:schemeClr>
+              <a:prstClr val="white"/>
+            </a:duotone>
+            <a:extLst>
+              <a:ext uri="{28A0092B-C50C-407E-A947-70E740481C1C}">
+                <a14:useLocalDpi xmlns:a14="http://schemas.microsoft.com/office/drawing/2010/main" val="0"/>
+              </a:ext>
+            </a:extLst>
+          </a:blip>
+          <a:stretch>
+            <a:fillRect/>
+          </a:stretch>
+        </p:blipFill>
+        <p:spPr>
+          <a:xfrm>
+            <a:off x="532302" y="1614882"/>
+            <a:ext cx="200102" cy="200102"/>
+          </a:xfrm>
+          <a:prstGeom prst="rect">
+            <a:avLst/>
+          </a:prstGeom>
+        </p:spPr>
+      </p:pic>
     </p:spTree>
     <p:extLst>
       <p:ext uri="{BB962C8B-B14F-4D97-AF65-F5344CB8AC3E}">

--- a/doc/model-flow-chart.pptx
+++ b/doc/model-flow-chart.pptx
@@ -197,7 +197,7 @@
           <a:p>
             <a:fld id="{470FF0B4-BFAF-F740-9FB9-9FC391BD2401}" type="datetimeFigureOut">
               <a:rPr lang="en-CH" smtClean="0"/>
-              <a:t>09.12.2024</a:t>
+              <a:t>17.02.2025</a:t>
             </a:fld>
             <a:endParaRPr lang="en-CH"/>
           </a:p>
@@ -680,7 +680,7 @@
           <a:p>
             <a:fld id="{A3227F2F-2C21-704F-954A-51416393FD25}" type="datetimeFigureOut">
               <a:rPr lang="en-CH" smtClean="0"/>
-              <a:t>09.12.2024</a:t>
+              <a:t>17.02.2025</a:t>
             </a:fld>
             <a:endParaRPr lang="en-CH"/>
           </a:p>
@@ -850,7 +850,7 @@
           <a:p>
             <a:fld id="{A3227F2F-2C21-704F-954A-51416393FD25}" type="datetimeFigureOut">
               <a:rPr lang="en-CH" smtClean="0"/>
-              <a:t>09.12.2024</a:t>
+              <a:t>17.02.2025</a:t>
             </a:fld>
             <a:endParaRPr lang="en-CH"/>
           </a:p>
@@ -1030,7 +1030,7 @@
           <a:p>
             <a:fld id="{A3227F2F-2C21-704F-954A-51416393FD25}" type="datetimeFigureOut">
               <a:rPr lang="en-CH" smtClean="0"/>
-              <a:t>09.12.2024</a:t>
+              <a:t>17.02.2025</a:t>
             </a:fld>
             <a:endParaRPr lang="en-CH"/>
           </a:p>
@@ -1200,7 +1200,7 @@
           <a:p>
             <a:fld id="{A3227F2F-2C21-704F-954A-51416393FD25}" type="datetimeFigureOut">
               <a:rPr lang="en-CH" smtClean="0"/>
-              <a:t>09.12.2024</a:t>
+              <a:t>17.02.2025</a:t>
             </a:fld>
             <a:endParaRPr lang="en-CH"/>
           </a:p>
@@ -1446,7 +1446,7 @@
           <a:p>
             <a:fld id="{A3227F2F-2C21-704F-954A-51416393FD25}" type="datetimeFigureOut">
               <a:rPr lang="en-CH" smtClean="0"/>
-              <a:t>09.12.2024</a:t>
+              <a:t>17.02.2025</a:t>
             </a:fld>
             <a:endParaRPr lang="en-CH"/>
           </a:p>
@@ -1678,7 +1678,7 @@
           <a:p>
             <a:fld id="{A3227F2F-2C21-704F-954A-51416393FD25}" type="datetimeFigureOut">
               <a:rPr lang="en-CH" smtClean="0"/>
-              <a:t>09.12.2024</a:t>
+              <a:t>17.02.2025</a:t>
             </a:fld>
             <a:endParaRPr lang="en-CH"/>
           </a:p>
@@ -2045,7 +2045,7 @@
           <a:p>
             <a:fld id="{A3227F2F-2C21-704F-954A-51416393FD25}" type="datetimeFigureOut">
               <a:rPr lang="en-CH" smtClean="0"/>
-              <a:t>09.12.2024</a:t>
+              <a:t>17.02.2025</a:t>
             </a:fld>
             <a:endParaRPr lang="en-CH"/>
           </a:p>
@@ -2163,7 +2163,7 @@
           <a:p>
             <a:fld id="{A3227F2F-2C21-704F-954A-51416393FD25}" type="datetimeFigureOut">
               <a:rPr lang="en-CH" smtClean="0"/>
-              <a:t>09.12.2024</a:t>
+              <a:t>17.02.2025</a:t>
             </a:fld>
             <a:endParaRPr lang="en-CH"/>
           </a:p>
@@ -2258,7 +2258,7 @@
           <a:p>
             <a:fld id="{A3227F2F-2C21-704F-954A-51416393FD25}" type="datetimeFigureOut">
               <a:rPr lang="en-CH" smtClean="0"/>
-              <a:t>09.12.2024</a:t>
+              <a:t>17.02.2025</a:t>
             </a:fld>
             <a:endParaRPr lang="en-CH"/>
           </a:p>
@@ -2535,7 +2535,7 @@
           <a:p>
             <a:fld id="{A3227F2F-2C21-704F-954A-51416393FD25}" type="datetimeFigureOut">
               <a:rPr lang="en-CH" smtClean="0"/>
-              <a:t>09.12.2024</a:t>
+              <a:t>17.02.2025</a:t>
             </a:fld>
             <a:endParaRPr lang="en-CH"/>
           </a:p>
@@ -2792,7 +2792,7 @@
           <a:p>
             <a:fld id="{A3227F2F-2C21-704F-954A-51416393FD25}" type="datetimeFigureOut">
               <a:rPr lang="en-CH" smtClean="0"/>
-              <a:t>09.12.2024</a:t>
+              <a:t>17.02.2025</a:t>
             </a:fld>
             <a:endParaRPr lang="en-CH"/>
           </a:p>
@@ -3005,7 +3005,7 @@
           <a:p>
             <a:fld id="{A3227F2F-2C21-704F-954A-51416393FD25}" type="datetimeFigureOut">
               <a:rPr lang="en-CH" smtClean="0"/>
-              <a:t>09.12.2024</a:t>
+              <a:t>17.02.2025</a:t>
             </a:fld>
             <a:endParaRPr lang="en-CH"/>
           </a:p>
@@ -3461,7 +3461,10 @@
           <a:lstStyle/>
           <a:p>
             <a:pPr algn="ctr"/>
-            <a:endParaRPr lang="en-CH"/>
+            <a:endParaRPr lang="en-CH">
+              <a:latin typeface="Calibri" panose="020F0502020204030204" pitchFamily="34" charset="0"/>
+              <a:cs typeface="Calibri" panose="020F0502020204030204" pitchFamily="34" charset="0"/>
+            </a:endParaRPr>
           </a:p>
         </p:txBody>
       </p:sp>
@@ -3513,7 +3516,10 @@
           <a:lstStyle/>
           <a:p>
             <a:pPr algn="ctr"/>
-            <a:endParaRPr lang="en-CH"/>
+            <a:endParaRPr lang="en-CH">
+              <a:latin typeface="Calibri" panose="020F0502020204030204" pitchFamily="34" charset="0"/>
+              <a:cs typeface="Calibri" panose="020F0502020204030204" pitchFamily="34" charset="0"/>
+            </a:endParaRPr>
           </a:p>
         </p:txBody>
       </p:sp>
@@ -3568,7 +3574,10 @@
           <a:lstStyle/>
           <a:p>
             <a:pPr algn="ctr"/>
-            <a:endParaRPr lang="en-CH" dirty="0"/>
+            <a:endParaRPr lang="en-CH" dirty="0">
+              <a:latin typeface="Calibri" panose="020F0502020204030204" pitchFamily="34" charset="0"/>
+              <a:cs typeface="Calibri" panose="020F0502020204030204" pitchFamily="34" charset="0"/>
+            </a:endParaRPr>
           </a:p>
         </p:txBody>
       </p:sp>
@@ -3627,6 +3636,8 @@
                   <a:lumOff val="80000"/>
                 </a:schemeClr>
               </a:solidFill>
+              <a:latin typeface="Calibri" panose="020F0502020204030204" pitchFamily="34" charset="0"/>
+              <a:cs typeface="Calibri" panose="020F0502020204030204" pitchFamily="34" charset="0"/>
             </a:endParaRPr>
           </a:p>
         </p:txBody>
@@ -3700,7 +3711,10 @@
           <a:p>
             <a:pPr algn="ctr"/>
             <a:r>
-              <a:rPr lang="en-CH" sz="1200" b="1" dirty="0"/>
+              <a:rPr lang="en-CH" sz="1200" b="1" dirty="0">
+                <a:latin typeface="Calibri" panose="020F0502020204030204" pitchFamily="34" charset="0"/>
+                <a:cs typeface="Calibri" panose="020F0502020204030204" pitchFamily="34" charset="0"/>
+              </a:rPr>
               <a:t>Collected data</a:t>
             </a:r>
           </a:p>
@@ -3735,7 +3749,10 @@
           <a:lstStyle/>
           <a:p>
             <a:r>
-              <a:rPr lang="en-CH" sz="1200" b="1" dirty="0"/>
+              <a:rPr lang="en-CH" sz="1200" b="1" dirty="0">
+                <a:latin typeface="Calibri" panose="020F0502020204030204" pitchFamily="34" charset="0"/>
+                <a:cs typeface="Calibri" panose="020F0502020204030204" pitchFamily="34" charset="0"/>
+              </a:rPr>
               <a:t>Modeling</a:t>
             </a:r>
           </a:p>
@@ -3788,16 +3805,25 @@
           <a:lstStyle/>
           <a:p>
             <a:pPr algn="ctr"/>
-            <a:endParaRPr lang="en-CH" sz="1000" b="1" dirty="0"/>
+            <a:endParaRPr lang="en-CH" sz="1000" b="1" dirty="0">
+              <a:latin typeface="Calibri" panose="020F0502020204030204" pitchFamily="34" charset="0"/>
+              <a:cs typeface="Calibri" panose="020F0502020204030204" pitchFamily="34" charset="0"/>
+            </a:endParaRPr>
           </a:p>
           <a:p>
             <a:pPr algn="ctr"/>
-            <a:endParaRPr lang="en-CH" sz="1000" b="1" dirty="0"/>
+            <a:endParaRPr lang="en-CH" sz="1000" b="1" dirty="0">
+              <a:latin typeface="Calibri" panose="020F0502020204030204" pitchFamily="34" charset="0"/>
+              <a:cs typeface="Calibri" panose="020F0502020204030204" pitchFamily="34" charset="0"/>
+            </a:endParaRPr>
           </a:p>
           <a:p>
             <a:pPr algn="ctr"/>
             <a:r>
-              <a:rPr lang="en-CH" sz="1000" b="1" dirty="0"/>
+              <a:rPr lang="en-CH" sz="1000" b="1" dirty="0">
+                <a:latin typeface="Calibri" panose="020F0502020204030204" pitchFamily="34" charset="0"/>
+                <a:cs typeface="Calibri" panose="020F0502020204030204" pitchFamily="34" charset="0"/>
+              </a:rPr>
               <a:t>Environmental</a:t>
             </a:r>
           </a:p>
@@ -3807,19 +3833,31 @@
               <a:buChar char="•"/>
             </a:pPr>
             <a:r>
-              <a:rPr lang="en-CH" sz="800" dirty="0"/>
+              <a:rPr lang="en-CH" sz="800" dirty="0">
+                <a:latin typeface="Calibri" panose="020F0502020204030204" pitchFamily="34" charset="0"/>
+                <a:cs typeface="Calibri" panose="020F0502020204030204" pitchFamily="34" charset="0"/>
+              </a:rPr>
               <a:t>CO</a:t>
             </a:r>
             <a:r>
-              <a:rPr lang="en-CH" sz="800" baseline="-25000" dirty="0"/>
+              <a:rPr lang="en-CH" sz="800" baseline="-25000" dirty="0">
+                <a:latin typeface="Calibri" panose="020F0502020204030204" pitchFamily="34" charset="0"/>
+                <a:cs typeface="Calibri" panose="020F0502020204030204" pitchFamily="34" charset="0"/>
+              </a:rPr>
               <a:t>2</a:t>
             </a:r>
             <a:r>
-              <a:rPr lang="en-CH" sz="800" dirty="0"/>
+              <a:rPr lang="en-CH" sz="800" dirty="0">
+                <a:latin typeface="Calibri" panose="020F0502020204030204" pitchFamily="34" charset="0"/>
+                <a:cs typeface="Calibri" panose="020F0502020204030204" pitchFamily="34" charset="0"/>
+              </a:rPr>
               <a:t> levels</a:t>
             </a:r>
             <a:r>
-              <a:rPr lang="en-CH" sz="800" baseline="-25000" dirty="0"/>
+              <a:rPr lang="en-CH" sz="800" baseline="-25000" dirty="0">
+                <a:latin typeface="Calibri" panose="020F0502020204030204" pitchFamily="34" charset="0"/>
+                <a:cs typeface="Calibri" panose="020F0502020204030204" pitchFamily="34" charset="0"/>
+              </a:rPr>
               <a:t> </a:t>
             </a:r>
           </a:p>
@@ -3872,16 +3910,25 @@
           <a:lstStyle/>
           <a:p>
             <a:pPr algn="ctr"/>
-            <a:endParaRPr lang="en-CH" sz="1000" b="1" dirty="0"/>
+            <a:endParaRPr lang="en-CH" sz="1000" b="1" dirty="0">
+              <a:latin typeface="Calibri" panose="020F0502020204030204" pitchFamily="34" charset="0"/>
+              <a:cs typeface="Calibri" panose="020F0502020204030204" pitchFamily="34" charset="0"/>
+            </a:endParaRPr>
           </a:p>
           <a:p>
             <a:pPr algn="ctr"/>
-            <a:endParaRPr lang="en-CH" sz="1000" b="1" dirty="0"/>
+            <a:endParaRPr lang="en-CH" sz="1000" b="1" dirty="0">
+              <a:latin typeface="Calibri" panose="020F0502020204030204" pitchFamily="34" charset="0"/>
+              <a:cs typeface="Calibri" panose="020F0502020204030204" pitchFamily="34" charset="0"/>
+            </a:endParaRPr>
           </a:p>
           <a:p>
             <a:pPr algn="ctr"/>
             <a:r>
-              <a:rPr lang="en-CH" sz="1000" b="1" dirty="0"/>
+              <a:rPr lang="en-CH" sz="1000" b="1" dirty="0">
+                <a:latin typeface="Calibri" panose="020F0502020204030204" pitchFamily="34" charset="0"/>
+                <a:cs typeface="Calibri" panose="020F0502020204030204" pitchFamily="34" charset="0"/>
+              </a:rPr>
               <a:t>Tracking</a:t>
             </a:r>
           </a:p>
@@ -3891,10 +3938,16 @@
               <a:buChar char="•"/>
             </a:pPr>
             <a:r>
-              <a:rPr lang="en-CH" sz="800" dirty="0"/>
+              <a:rPr lang="en-CH" sz="800" dirty="0">
+                <a:latin typeface="Calibri" panose="020F0502020204030204" pitchFamily="34" charset="0"/>
+                <a:cs typeface="Calibri" panose="020F0502020204030204" pitchFamily="34" charset="0"/>
+              </a:rPr>
               <a:t>Occupancy</a:t>
             </a:r>
-            <a:endParaRPr lang="en-CH" sz="1000" dirty="0"/>
+            <a:endParaRPr lang="en-CH" sz="1000" dirty="0">
+              <a:latin typeface="Calibri" panose="020F0502020204030204" pitchFamily="34" charset="0"/>
+              <a:cs typeface="Calibri" panose="020F0502020204030204" pitchFamily="34" charset="0"/>
+            </a:endParaRPr>
           </a:p>
           <a:p>
             <a:pPr marL="171450" indent="-171450">
@@ -3902,10 +3955,16 @@
               <a:buChar char="•"/>
             </a:pPr>
             <a:r>
-              <a:rPr lang="en-CH" sz="800" dirty="0"/>
+              <a:rPr lang="en-CH" sz="800" dirty="0">
+                <a:latin typeface="Calibri" panose="020F0502020204030204" pitchFamily="34" charset="0"/>
+                <a:cs typeface="Calibri" panose="020F0502020204030204" pitchFamily="34" charset="0"/>
+              </a:rPr>
               <a:t>Movements</a:t>
             </a:r>
-            <a:endParaRPr lang="en-CH" sz="1000" dirty="0"/>
+            <a:endParaRPr lang="en-CH" sz="1000" dirty="0">
+              <a:latin typeface="Calibri" panose="020F0502020204030204" pitchFamily="34" charset="0"/>
+              <a:cs typeface="Calibri" panose="020F0502020204030204" pitchFamily="34" charset="0"/>
+            </a:endParaRPr>
           </a:p>
         </p:txBody>
       </p:sp>
@@ -3956,16 +4015,25 @@
           <a:lstStyle/>
           <a:p>
             <a:pPr algn="ctr"/>
-            <a:endParaRPr lang="en-CH" sz="1000" b="1" dirty="0"/>
+            <a:endParaRPr lang="en-CH" sz="1000" b="1" dirty="0">
+              <a:latin typeface="Calibri" panose="020F0502020204030204" pitchFamily="34" charset="0"/>
+              <a:cs typeface="Calibri" panose="020F0502020204030204" pitchFamily="34" charset="0"/>
+            </a:endParaRPr>
           </a:p>
           <a:p>
             <a:pPr algn="ctr"/>
-            <a:endParaRPr lang="en-CH" sz="1000" b="1" dirty="0"/>
+            <a:endParaRPr lang="en-CH" sz="1000" b="1" dirty="0">
+              <a:latin typeface="Calibri" panose="020F0502020204030204" pitchFamily="34" charset="0"/>
+              <a:cs typeface="Calibri" panose="020F0502020204030204" pitchFamily="34" charset="0"/>
+            </a:endParaRPr>
           </a:p>
           <a:p>
             <a:pPr algn="ctr"/>
             <a:r>
-              <a:rPr lang="en-CH" sz="1000" b="1" dirty="0"/>
+              <a:rPr lang="en-CH" sz="1000" b="1" dirty="0">
+                <a:latin typeface="Calibri" panose="020F0502020204030204" pitchFamily="34" charset="0"/>
+                <a:cs typeface="Calibri" panose="020F0502020204030204" pitchFamily="34" charset="0"/>
+              </a:rPr>
               <a:t>Clinical</a:t>
             </a:r>
           </a:p>
@@ -3975,7 +4043,10 @@
               <a:buChar char="•"/>
             </a:pPr>
             <a:r>
-              <a:rPr lang="en-CH" sz="800" dirty="0"/>
+              <a:rPr lang="en-CH" sz="800" dirty="0">
+                <a:latin typeface="Calibri" panose="020F0502020204030204" pitchFamily="34" charset="0"/>
+                <a:cs typeface="Calibri" panose="020F0502020204030204" pitchFamily="34" charset="0"/>
+              </a:rPr>
               <a:t>Arrival time</a:t>
             </a:r>
           </a:p>
@@ -3985,7 +4056,10 @@
               <a:buChar char="•"/>
             </a:pPr>
             <a:r>
-              <a:rPr lang="en-CH" sz="800" dirty="0"/>
+              <a:rPr lang="en-CH" sz="800" dirty="0">
+                <a:latin typeface="Calibri" panose="020F0502020204030204" pitchFamily="34" charset="0"/>
+                <a:cs typeface="Calibri" panose="020F0502020204030204" pitchFamily="34" charset="0"/>
+              </a:rPr>
               <a:t>TB status</a:t>
             </a:r>
           </a:p>
@@ -4035,7 +4109,10 @@
           <a:p>
             <a:pPr algn="ctr"/>
             <a:r>
-              <a:rPr lang="en-CH" sz="1000" b="1" dirty="0"/>
+              <a:rPr lang="en-CH" sz="1000" b="1" dirty="0">
+                <a:latin typeface="Calibri" panose="020F0502020204030204" pitchFamily="34" charset="0"/>
+                <a:cs typeface="Calibri" panose="020F0502020204030204" pitchFamily="34" charset="0"/>
+              </a:rPr>
               <a:t>Air change rate</a:t>
             </a:r>
           </a:p>
@@ -4045,7 +4122,10 @@
               <a:buChar char="•"/>
             </a:pPr>
             <a:r>
-              <a:rPr lang="en-CH" sz="800" dirty="0"/>
+              <a:rPr lang="en-CH" sz="800" dirty="0">
+                <a:latin typeface="Calibri" panose="020F0502020204030204" pitchFamily="34" charset="0"/>
+                <a:cs typeface="Calibri" panose="020F0502020204030204" pitchFamily="34" charset="0"/>
+              </a:rPr>
               <a:t>Estimated with transient mass balance model</a:t>
             </a:r>
           </a:p>
@@ -4095,7 +4175,10 @@
           <a:p>
             <a:pPr algn="ctr"/>
             <a:r>
-              <a:rPr lang="en-CH" sz="1000" b="1" dirty="0"/>
+              <a:rPr lang="en-CH" sz="1000" b="1" dirty="0">
+                <a:latin typeface="Calibri" panose="020F0502020204030204" pitchFamily="34" charset="0"/>
+                <a:cs typeface="Calibri" panose="020F0502020204030204" pitchFamily="34" charset="0"/>
+              </a:rPr>
               <a:t>Diagnosed TB patients</a:t>
             </a:r>
           </a:p>
@@ -4105,10 +4188,16 @@
               <a:buChar char="•"/>
             </a:pPr>
             <a:r>
-              <a:rPr lang="en-CH" sz="800" dirty="0"/>
+              <a:rPr lang="en-CH" sz="800" dirty="0">
+                <a:latin typeface="Calibri" panose="020F0502020204030204" pitchFamily="34" charset="0"/>
+                <a:cs typeface="Calibri" panose="020F0502020204030204" pitchFamily="34" charset="0"/>
+              </a:rPr>
               <a:t>Spatiotemp. location of infectious patients</a:t>
             </a:r>
-            <a:endParaRPr lang="en-CH" sz="1000" dirty="0"/>
+            <a:endParaRPr lang="en-CH" sz="1000" dirty="0">
+              <a:latin typeface="Calibri" panose="020F0502020204030204" pitchFamily="34" charset="0"/>
+              <a:cs typeface="Calibri" panose="020F0502020204030204" pitchFamily="34" charset="0"/>
+            </a:endParaRPr>
           </a:p>
         </p:txBody>
       </p:sp>
@@ -4156,15 +4245,24 @@
           <a:p>
             <a:pPr algn="ctr"/>
             <a:r>
-              <a:rPr lang="en-CH" sz="1000" b="1" dirty="0"/>
+              <a:rPr lang="en-CH" sz="1000" b="1" dirty="0">
+                <a:latin typeface="Calibri" panose="020F0502020204030204" pitchFamily="34" charset="0"/>
+                <a:cs typeface="Calibri" panose="020F0502020204030204" pitchFamily="34" charset="0"/>
+              </a:rPr>
               <a:t>Q</a:t>
             </a:r>
             <a:r>
-              <a:rPr lang="en-GB" sz="1000" b="1" dirty="0"/>
+              <a:rPr lang="en-GB" sz="1000" b="1" dirty="0">
+                <a:latin typeface="Calibri" panose="020F0502020204030204" pitchFamily="34" charset="0"/>
+                <a:cs typeface="Calibri" panose="020F0502020204030204" pitchFamily="34" charset="0"/>
+              </a:rPr>
               <a:t>u</a:t>
             </a:r>
             <a:r>
-              <a:rPr lang="en-CH" sz="1000" b="1" dirty="0"/>
+              <a:rPr lang="en-CH" sz="1000" b="1" dirty="0">
+                <a:latin typeface="Calibri" panose="020F0502020204030204" pitchFamily="34" charset="0"/>
+                <a:cs typeface="Calibri" panose="020F0502020204030204" pitchFamily="34" charset="0"/>
+              </a:rPr>
               <a:t>anta removal</a:t>
             </a:r>
           </a:p>
@@ -4174,7 +4272,10 @@
               <a:buChar char="•"/>
             </a:pPr>
             <a:r>
-              <a:rPr lang="en-CH" sz="800" dirty="0"/>
+              <a:rPr lang="en-CH" sz="800" dirty="0">
+                <a:latin typeface="Calibri" panose="020F0502020204030204" pitchFamily="34" charset="0"/>
+                <a:cs typeface="Calibri" panose="020F0502020204030204" pitchFamily="34" charset="0"/>
+              </a:rPr>
               <a:t>Outdoor air exchange</a:t>
             </a:r>
           </a:p>
@@ -4184,7 +4285,10 @@
               <a:buChar char="•"/>
             </a:pPr>
             <a:r>
-              <a:rPr lang="en-CH" sz="800" dirty="0"/>
+              <a:rPr lang="en-CH" sz="800" dirty="0">
+                <a:latin typeface="Calibri" panose="020F0502020204030204" pitchFamily="34" charset="0"/>
+                <a:cs typeface="Calibri" panose="020F0502020204030204" pitchFamily="34" charset="0"/>
+              </a:rPr>
               <a:t>Bacterial inactivation </a:t>
             </a:r>
           </a:p>
@@ -4194,10 +4298,16 @@
               <a:buChar char="•"/>
             </a:pPr>
             <a:r>
-              <a:rPr lang="en-CH" sz="800" dirty="0"/>
+              <a:rPr lang="en-CH" sz="800" dirty="0">
+                <a:latin typeface="Calibri" panose="020F0502020204030204" pitchFamily="34" charset="0"/>
+                <a:cs typeface="Calibri" panose="020F0502020204030204" pitchFamily="34" charset="0"/>
+              </a:rPr>
               <a:t>Gravitational settling</a:t>
             </a:r>
-            <a:endParaRPr lang="en-CH" sz="1000" dirty="0"/>
+            <a:endParaRPr lang="en-CH" sz="1000" dirty="0">
+              <a:latin typeface="Calibri" panose="020F0502020204030204" pitchFamily="34" charset="0"/>
+              <a:cs typeface="Calibri" panose="020F0502020204030204" pitchFamily="34" charset="0"/>
+            </a:endParaRPr>
           </a:p>
         </p:txBody>
       </p:sp>
@@ -4245,7 +4355,10 @@
           <a:p>
             <a:pPr algn="ctr"/>
             <a:r>
-              <a:rPr lang="en-CH" sz="1000" b="1" dirty="0"/>
+              <a:rPr lang="en-CH" sz="1000" b="1" dirty="0">
+                <a:latin typeface="Calibri" panose="020F0502020204030204" pitchFamily="34" charset="0"/>
+                <a:cs typeface="Calibri" panose="020F0502020204030204" pitchFamily="34" charset="0"/>
+              </a:rPr>
               <a:t>Quanta diffusion</a:t>
             </a:r>
           </a:p>
@@ -4255,7 +4368,10 @@
               <a:buChar char="•"/>
             </a:pPr>
             <a:r>
-              <a:rPr lang="en-CH" sz="800" dirty="0"/>
+              <a:rPr lang="en-CH" sz="800" dirty="0">
+                <a:latin typeface="Calibri" panose="020F0502020204030204" pitchFamily="34" charset="0"/>
+                <a:cs typeface="Calibri" panose="020F0502020204030204" pitchFamily="34" charset="0"/>
+              </a:rPr>
               <a:t>Radially from generation point</a:t>
             </a:r>
           </a:p>
@@ -4305,7 +4421,10 @@
           <a:p>
             <a:pPr algn="ctr"/>
             <a:r>
-              <a:rPr lang="en-CH" sz="1000" b="1" dirty="0"/>
+              <a:rPr lang="en-CH" sz="1000" b="1" dirty="0">
+                <a:latin typeface="Calibri" panose="020F0502020204030204" pitchFamily="34" charset="0"/>
+                <a:cs typeface="Calibri" panose="020F0502020204030204" pitchFamily="34" charset="0"/>
+              </a:rPr>
               <a:t>Quanta generation</a:t>
             </a:r>
           </a:p>
@@ -4315,10 +4434,16 @@
               <a:buChar char="•"/>
             </a:pPr>
             <a:r>
-              <a:rPr lang="en-CH" sz="800" dirty="0"/>
-              <a:t>Diagnosed + undiagnosed patients</a:t>
-            </a:r>
-            <a:endParaRPr lang="en-CH" sz="1000" dirty="0"/>
+              <a:rPr lang="en-CH" sz="800" dirty="0">
+                <a:latin typeface="Calibri" panose="020F0502020204030204" pitchFamily="34" charset="0"/>
+                <a:cs typeface="Calibri" panose="020F0502020204030204" pitchFamily="34" charset="0"/>
+              </a:rPr>
+              <a:t>Undiagnosed + diagnosed TB patients</a:t>
+            </a:r>
+            <a:endParaRPr lang="en-CH" sz="1000" dirty="0">
+              <a:latin typeface="Calibri" panose="020F0502020204030204" pitchFamily="34" charset="0"/>
+              <a:cs typeface="Calibri" panose="020F0502020204030204" pitchFamily="34" charset="0"/>
+            </a:endParaRPr>
           </a:p>
         </p:txBody>
       </p:sp>
@@ -4371,7 +4496,10 @@
           <a:p>
             <a:pPr algn="ctr"/>
             <a:r>
-              <a:rPr lang="en-CH" sz="1000" b="1" dirty="0"/>
+              <a:rPr lang="en-CH" sz="1000" b="1" dirty="0">
+                <a:latin typeface="Calibri" panose="020F0502020204030204" pitchFamily="34" charset="0"/>
+                <a:cs typeface="Calibri" panose="020F0502020204030204" pitchFamily="34" charset="0"/>
+              </a:rPr>
               <a:t>Risk of infection</a:t>
             </a:r>
           </a:p>
@@ -4381,15 +4509,24 @@
               <a:buChar char="•"/>
             </a:pPr>
             <a:r>
-              <a:rPr lang="en-CH" sz="800" dirty="0"/>
+              <a:rPr lang="en-CH" sz="800" dirty="0">
+                <a:latin typeface="Calibri" panose="020F0502020204030204" pitchFamily="34" charset="0"/>
+                <a:cs typeface="Calibri" panose="020F0502020204030204" pitchFamily="34" charset="0"/>
+              </a:rPr>
               <a:t>Spatiotemp. </a:t>
             </a:r>
             <a:r>
-              <a:rPr lang="en-GB" sz="800" dirty="0"/>
+              <a:rPr lang="en-GB" sz="800" dirty="0">
+                <a:latin typeface="Calibri" panose="020F0502020204030204" pitchFamily="34" charset="0"/>
+                <a:cs typeface="Calibri" panose="020F0502020204030204" pitchFamily="34" charset="0"/>
+              </a:rPr>
               <a:t>q</a:t>
             </a:r>
             <a:r>
-              <a:rPr lang="en-CH" sz="800" dirty="0"/>
+              <a:rPr lang="en-CH" sz="800" dirty="0">
+                <a:latin typeface="Calibri" panose="020F0502020204030204" pitchFamily="34" charset="0"/>
+                <a:cs typeface="Calibri" panose="020F0502020204030204" pitchFamily="34" charset="0"/>
+              </a:rPr>
               <a:t>uanta conc.</a:t>
             </a:r>
           </a:p>
@@ -4399,7 +4536,10 @@
               <a:buChar char="•"/>
             </a:pPr>
             <a:r>
-              <a:rPr lang="en-CH" sz="800" dirty="0"/>
+              <a:rPr lang="en-CH" sz="800" dirty="0">
+                <a:latin typeface="Calibri" panose="020F0502020204030204" pitchFamily="34" charset="0"/>
+                <a:cs typeface="Calibri" panose="020F0502020204030204" pitchFamily="34" charset="0"/>
+              </a:rPr>
               <a:t>Exposure time</a:t>
             </a:r>
           </a:p>
@@ -4415,6 +4555,7 @@
             </a:extLst>
           </p:cNvPr>
           <p:cNvCxnSpPr>
+            <a:cxnSpLocks/>
             <a:stCxn id="8" idx="3"/>
             <a:endCxn id="11" idx="1"/>
           </p:cNvCxnSpPr>
@@ -4551,6 +4692,7 @@
             </a:extLst>
           </p:cNvPr>
           <p:cNvCxnSpPr>
+            <a:cxnSpLocks/>
             <a:stCxn id="6" idx="3"/>
             <a:endCxn id="10" idx="1"/>
           </p:cNvCxnSpPr>
@@ -4779,6 +4921,7 @@
             </a:extLst>
           </p:cNvPr>
           <p:cNvCxnSpPr>
+            <a:cxnSpLocks/>
             <a:stCxn id="7" idx="3"/>
             <a:endCxn id="10" idx="1"/>
           </p:cNvCxnSpPr>
@@ -4859,7 +5002,10 @@
           <a:p>
             <a:pPr algn="ctr"/>
             <a:r>
-              <a:rPr lang="en-CH" sz="1000" dirty="0"/>
+              <a:rPr lang="en-CH" sz="1000" dirty="0">
+                <a:latin typeface="Calibri" panose="020F0502020204030204" pitchFamily="34" charset="0"/>
+                <a:cs typeface="Calibri" panose="020F0502020204030204" pitchFamily="34" charset="0"/>
+              </a:rPr>
               <a:t>1</a:t>
             </a:r>
           </a:p>
@@ -4910,7 +5056,10 @@
           <a:p>
             <a:pPr algn="ctr"/>
             <a:r>
-              <a:rPr lang="en-CH" sz="1000" dirty="0"/>
+              <a:rPr lang="en-CH" sz="1000" dirty="0">
+                <a:latin typeface="Calibri" panose="020F0502020204030204" pitchFamily="34" charset="0"/>
+                <a:cs typeface="Calibri" panose="020F0502020204030204" pitchFamily="34" charset="0"/>
+              </a:rPr>
               <a:t>3</a:t>
             </a:r>
           </a:p>
@@ -4961,7 +5110,10 @@
           <a:p>
             <a:pPr algn="ctr"/>
             <a:r>
-              <a:rPr lang="en-CH" sz="1000" dirty="0"/>
+              <a:rPr lang="en-CH" sz="1000" dirty="0">
+                <a:latin typeface="Calibri" panose="020F0502020204030204" pitchFamily="34" charset="0"/>
+                <a:cs typeface="Calibri" panose="020F0502020204030204" pitchFamily="34" charset="0"/>
+              </a:rPr>
               <a:t>2</a:t>
             </a:r>
           </a:p>
@@ -5012,7 +5164,10 @@
           <a:p>
             <a:pPr algn="ctr"/>
             <a:r>
-              <a:rPr lang="en-CH" sz="1000" dirty="0"/>
+              <a:rPr lang="en-CH" sz="1000" dirty="0">
+                <a:latin typeface="Calibri" panose="020F0502020204030204" pitchFamily="34" charset="0"/>
+                <a:cs typeface="Calibri" panose="020F0502020204030204" pitchFamily="34" charset="0"/>
+              </a:rPr>
               <a:t>4</a:t>
             </a:r>
           </a:p>
@@ -5063,7 +5218,10 @@
           <a:p>
             <a:pPr algn="ctr"/>
             <a:r>
-              <a:rPr lang="en-CH" sz="1000" dirty="0"/>
+              <a:rPr lang="en-CH" sz="1000" dirty="0">
+                <a:latin typeface="Calibri" panose="020F0502020204030204" pitchFamily="34" charset="0"/>
+                <a:cs typeface="Calibri" panose="020F0502020204030204" pitchFamily="34" charset="0"/>
+              </a:rPr>
               <a:t>5</a:t>
             </a:r>
           </a:p>
@@ -5114,7 +5272,10 @@
           <a:p>
             <a:pPr algn="ctr"/>
             <a:r>
-              <a:rPr lang="en-CH" sz="1000" dirty="0"/>
+              <a:rPr lang="en-CH" sz="1000" dirty="0">
+                <a:latin typeface="Calibri" panose="020F0502020204030204" pitchFamily="34" charset="0"/>
+                <a:cs typeface="Calibri" panose="020F0502020204030204" pitchFamily="34" charset="0"/>
+              </a:rPr>
               <a:t>6</a:t>
             </a:r>
           </a:p>
@@ -5180,7 +5341,10 @@
             <a:lstStyle/>
             <a:p>
               <a:pPr algn="ctr"/>
-              <a:endParaRPr lang="en-CH"/>
+              <a:endParaRPr lang="en-CH">
+                <a:latin typeface="Calibri" panose="020F0502020204030204" pitchFamily="34" charset="0"/>
+                <a:cs typeface="Calibri" panose="020F0502020204030204" pitchFamily="34" charset="0"/>
+              </a:endParaRPr>
             </a:p>
           </p:txBody>
         </p:sp>
@@ -5392,7 +5556,10 @@
             <a:lstStyle/>
             <a:p>
               <a:pPr algn="ctr"/>
-              <a:endParaRPr lang="en-CH"/>
+              <a:endParaRPr lang="en-CH">
+                <a:latin typeface="Calibri" panose="020F0502020204030204" pitchFamily="34" charset="0"/>
+                <a:cs typeface="Calibri" panose="020F0502020204030204" pitchFamily="34" charset="0"/>
+              </a:endParaRPr>
             </a:p>
           </p:txBody>
         </p:sp>
@@ -5508,7 +5675,10 @@
             <a:lstStyle/>
             <a:p>
               <a:pPr algn="ctr"/>
-              <a:endParaRPr lang="en-CH"/>
+              <a:endParaRPr lang="en-CH">
+                <a:latin typeface="Calibri" panose="020F0502020204030204" pitchFamily="34" charset="0"/>
+                <a:cs typeface="Calibri" panose="020F0502020204030204" pitchFamily="34" charset="0"/>
+              </a:endParaRPr>
             </a:p>
           </p:txBody>
         </p:sp>
@@ -5555,7 +5725,10 @@
             <a:lstStyle/>
             <a:p>
               <a:pPr algn="ctr"/>
-              <a:endParaRPr lang="en-CH"/>
+              <a:endParaRPr lang="en-CH">
+                <a:latin typeface="Calibri" panose="020F0502020204030204" pitchFamily="34" charset="0"/>
+                <a:cs typeface="Calibri" panose="020F0502020204030204" pitchFamily="34" charset="0"/>
+              </a:endParaRPr>
             </a:p>
           </p:txBody>
         </p:sp>
@@ -5602,7 +5775,10 @@
             <a:lstStyle/>
             <a:p>
               <a:pPr algn="ctr"/>
-              <a:endParaRPr lang="en-CH"/>
+              <a:endParaRPr lang="en-CH">
+                <a:latin typeface="Calibri" panose="020F0502020204030204" pitchFamily="34" charset="0"/>
+                <a:cs typeface="Calibri" panose="020F0502020204030204" pitchFamily="34" charset="0"/>
+              </a:endParaRPr>
             </a:p>
           </p:txBody>
         </p:sp>
@@ -5649,7 +5825,10 @@
             <a:lstStyle/>
             <a:p>
               <a:pPr algn="ctr"/>
-              <a:endParaRPr lang="en-CH"/>
+              <a:endParaRPr lang="en-CH">
+                <a:latin typeface="Calibri" panose="020F0502020204030204" pitchFamily="34" charset="0"/>
+                <a:cs typeface="Calibri" panose="020F0502020204030204" pitchFamily="34" charset="0"/>
+              </a:endParaRPr>
             </a:p>
           </p:txBody>
         </p:sp>
